--- a/doc/ppt/Architecture.pptx
+++ b/doc/ppt/Architecture.pptx
@@ -6,12 +6,12 @@
   </p:sldMasterIdLst>
   <p:sldIdLst>
     <p:sldId id="256" r:id="rId2"/>
-    <p:sldId id="259" r:id="rId3"/>
-    <p:sldId id="257" r:id="rId4"/>
-    <p:sldId id="262" r:id="rId5"/>
-    <p:sldId id="258" r:id="rId6"/>
-    <p:sldId id="260" r:id="rId7"/>
-    <p:sldId id="261" r:id="rId8"/>
+    <p:sldId id="263" r:id="rId3"/>
+    <p:sldId id="264" r:id="rId4"/>
+    <p:sldId id="265" r:id="rId5"/>
+    <p:sldId id="266" r:id="rId6"/>
+    <p:sldId id="268" r:id="rId7"/>
+    <p:sldId id="267" r:id="rId8"/>
   </p:sldIdLst>
   <p:sldSz cx="12192000" cy="6858000"/>
   <p:notesSz cx="6858000" cy="9144000"/>
@@ -265,7 +265,7 @@
           <a:p>
             <a:fld id="{101F840B-A15C-438E-A789-97869F9E8DB7}" type="datetimeFigureOut">
               <a:rPr lang="en-US" smtClean="0"/>
-              <a:t>3/14/2023</a:t>
+              <a:t>3/15/2023</a:t>
             </a:fld>
             <a:endParaRPr lang="en-US"/>
           </a:p>
@@ -463,7 +463,7 @@
           <a:p>
             <a:fld id="{101F840B-A15C-438E-A789-97869F9E8DB7}" type="datetimeFigureOut">
               <a:rPr lang="en-US" smtClean="0"/>
-              <a:t>3/14/2023</a:t>
+              <a:t>3/15/2023</a:t>
             </a:fld>
             <a:endParaRPr lang="en-US"/>
           </a:p>
@@ -671,7 +671,7 @@
           <a:p>
             <a:fld id="{101F840B-A15C-438E-A789-97869F9E8DB7}" type="datetimeFigureOut">
               <a:rPr lang="en-US" smtClean="0"/>
-              <a:t>3/14/2023</a:t>
+              <a:t>3/15/2023</a:t>
             </a:fld>
             <a:endParaRPr lang="en-US"/>
           </a:p>
@@ -869,7 +869,7 @@
           <a:p>
             <a:fld id="{101F840B-A15C-438E-A789-97869F9E8DB7}" type="datetimeFigureOut">
               <a:rPr lang="en-US" smtClean="0"/>
-              <a:t>3/14/2023</a:t>
+              <a:t>3/15/2023</a:t>
             </a:fld>
             <a:endParaRPr lang="en-US"/>
           </a:p>
@@ -1144,7 +1144,7 @@
           <a:p>
             <a:fld id="{101F840B-A15C-438E-A789-97869F9E8DB7}" type="datetimeFigureOut">
               <a:rPr lang="en-US" smtClean="0"/>
-              <a:t>3/14/2023</a:t>
+              <a:t>3/15/2023</a:t>
             </a:fld>
             <a:endParaRPr lang="en-US"/>
           </a:p>
@@ -1409,7 +1409,7 @@
           <a:p>
             <a:fld id="{101F840B-A15C-438E-A789-97869F9E8DB7}" type="datetimeFigureOut">
               <a:rPr lang="en-US" smtClean="0"/>
-              <a:t>3/14/2023</a:t>
+              <a:t>3/15/2023</a:t>
             </a:fld>
             <a:endParaRPr lang="en-US"/>
           </a:p>
@@ -1821,7 +1821,7 @@
           <a:p>
             <a:fld id="{101F840B-A15C-438E-A789-97869F9E8DB7}" type="datetimeFigureOut">
               <a:rPr lang="en-US" smtClean="0"/>
-              <a:t>3/14/2023</a:t>
+              <a:t>3/15/2023</a:t>
             </a:fld>
             <a:endParaRPr lang="en-US"/>
           </a:p>
@@ -1962,7 +1962,7 @@
           <a:p>
             <a:fld id="{101F840B-A15C-438E-A789-97869F9E8DB7}" type="datetimeFigureOut">
               <a:rPr lang="en-US" smtClean="0"/>
-              <a:t>3/14/2023</a:t>
+              <a:t>3/15/2023</a:t>
             </a:fld>
             <a:endParaRPr lang="en-US"/>
           </a:p>
@@ -2075,7 +2075,7 @@
           <a:p>
             <a:fld id="{101F840B-A15C-438E-A789-97869F9E8DB7}" type="datetimeFigureOut">
               <a:rPr lang="en-US" smtClean="0"/>
-              <a:t>3/14/2023</a:t>
+              <a:t>3/15/2023</a:t>
             </a:fld>
             <a:endParaRPr lang="en-US"/>
           </a:p>
@@ -2386,7 +2386,7 @@
           <a:p>
             <a:fld id="{101F840B-A15C-438E-A789-97869F9E8DB7}" type="datetimeFigureOut">
               <a:rPr lang="en-US" smtClean="0"/>
-              <a:t>3/14/2023</a:t>
+              <a:t>3/15/2023</a:t>
             </a:fld>
             <a:endParaRPr lang="en-US"/>
           </a:p>
@@ -2674,7 +2674,7 @@
           <a:p>
             <a:fld id="{101F840B-A15C-438E-A789-97869F9E8DB7}" type="datetimeFigureOut">
               <a:rPr lang="en-US" smtClean="0"/>
-              <a:t>3/14/2023</a:t>
+              <a:t>3/15/2023</a:t>
             </a:fld>
             <a:endParaRPr lang="en-US"/>
           </a:p>
@@ -2915,7 +2915,7 @@
           <a:p>
             <a:fld id="{101F840B-A15C-438E-A789-97869F9E8DB7}" type="datetimeFigureOut">
               <a:rPr lang="en-US" smtClean="0"/>
-              <a:t>3/14/2023</a:t>
+              <a:t>3/15/2023</a:t>
             </a:fld>
             <a:endParaRPr lang="en-US"/>
           </a:p>
@@ -3355,7 +3355,11 @@
           <a:p>
             <a:r>
               <a:rPr lang="fr-FR" dirty="0"/>
-              <a:t>Architecture GAME</a:t>
+              <a:t>Architecture </a:t>
+            </a:r>
+            <a:r>
+              <a:rPr lang="fr-FR" dirty="0" err="1"/>
+              <a:t>NiceConverter</a:t>
             </a:r>
             <a:endParaRPr lang="en-US" dirty="0"/>
           </a:p>
@@ -3377,12 +3381,37 @@
             <p:ph type="subTitle" idx="1"/>
           </p:nvPr>
         </p:nvSpPr>
-        <p:spPr/>
-        <p:txBody>
-          <a:bodyPr/>
-          <a:lstStyle/>
-          <a:p>
-            <a:endParaRPr lang="en-US"/>
+        <p:spPr>
+          <a:xfrm>
+            <a:off x="1524000" y="3574606"/>
+            <a:ext cx="9144000" cy="1655762"/>
+          </a:xfrm>
+        </p:spPr>
+        <p:txBody>
+          <a:bodyPr/>
+          <a:lstStyle/>
+          <a:p>
+            <a:r>
+              <a:rPr lang="fr-FR" dirty="0"/>
+              <a:t>Quelles sont les technologies </a:t>
+            </a:r>
+            <a:r>
+              <a:rPr lang="fr-FR" dirty="0" err="1"/>
+              <a:t>utilisees</a:t>
+            </a:r>
+            <a:r>
+              <a:rPr lang="fr-FR" dirty="0"/>
+              <a:t> pour </a:t>
+            </a:r>
+            <a:r>
+              <a:rPr lang="fr-FR" dirty="0" err="1"/>
+              <a:t>NiceConverter</a:t>
+            </a:r>
+            <a:r>
+              <a:rPr lang="fr-FR" dirty="0"/>
+              <a:t> ?</a:t>
+            </a:r>
+            <a:endParaRPr lang="en-US" dirty="0"/>
           </a:p>
         </p:txBody>
       </p:sp>
@@ -3418,18 +3447,18 @@
       </p:grpSpPr>
       <p:sp>
         <p:nvSpPr>
-          <p:cNvPr id="2" name="Title 1">
-            <a:extLst>
-              <a:ext uri="{FF2B5EF4-FFF2-40B4-BE49-F238E27FC236}">
-                <a16:creationId xmlns:a16="http://schemas.microsoft.com/office/drawing/2014/main" id="{E340CEFE-44B0-2FFE-0D60-502068466F2E}"/>
-              </a:ext>
-            </a:extLst>
-          </p:cNvPr>
-          <p:cNvSpPr>
-            <a:spLocks noGrp="1"/>
-          </p:cNvSpPr>
-          <p:nvPr>
-            <p:ph type="title"/>
+          <p:cNvPr id="6" name="Title 5">
+            <a:extLst>
+              <a:ext uri="{FF2B5EF4-FFF2-40B4-BE49-F238E27FC236}">
+                <a16:creationId xmlns:a16="http://schemas.microsoft.com/office/drawing/2014/main" id="{66F0D6F3-D2FD-5BED-07D0-DE6BBC56EC03}"/>
+              </a:ext>
+            </a:extLst>
+          </p:cNvPr>
+          <p:cNvSpPr>
+            <a:spLocks noGrp="1"/>
+          </p:cNvSpPr>
+          <p:nvPr>
+            <p:ph type="ctrTitle"/>
           </p:nvPr>
         </p:nvSpPr>
         <p:spPr/>
@@ -3439,7 +3468,7 @@
           <a:p>
             <a:r>
               <a:rPr lang="fr-FR" dirty="0"/>
-              <a:t>A AJOUTER DANS LA DOC</a:t>
+              <a:t>Outils Utilises</a:t>
             </a:r>
             <a:endParaRPr lang="en-US" dirty="0"/>
           </a:p>
@@ -3447,65 +3476,33 @@
       </p:sp>
       <p:sp>
         <p:nvSpPr>
-          <p:cNvPr id="3" name="Content Placeholder 2">
-            <a:extLst>
-              <a:ext uri="{FF2B5EF4-FFF2-40B4-BE49-F238E27FC236}">
-                <a16:creationId xmlns:a16="http://schemas.microsoft.com/office/drawing/2014/main" id="{DF8D6384-9625-F479-7374-86B18CB835FB}"/>
-              </a:ext>
-            </a:extLst>
-          </p:cNvPr>
-          <p:cNvSpPr>
-            <a:spLocks noGrp="1"/>
-          </p:cNvSpPr>
-          <p:nvPr>
-            <p:ph idx="1"/>
-          </p:nvPr>
-        </p:nvSpPr>
-        <p:spPr/>
-        <p:txBody>
-          <a:bodyPr/>
-          <a:lstStyle/>
-          <a:p>
-            <a:r>
-              <a:rPr lang="fr-FR" dirty="0"/>
-              <a:t>Installation multiple de </a:t>
-            </a:r>
-            <a:r>
-              <a:rPr lang="fr-FR" dirty="0" err="1"/>
-              <a:t>Whisper</a:t>
-            </a:r>
-            <a:endParaRPr lang="fr-FR" dirty="0"/>
-          </a:p>
-          <a:p>
-            <a:r>
-              <a:rPr lang="fr-FR" dirty="0" err="1"/>
-              <a:t>Creation</a:t>
-            </a:r>
-            <a:r>
-              <a:rPr lang="fr-FR" dirty="0"/>
-              <a:t> du VENV</a:t>
-            </a:r>
-          </a:p>
-          <a:p>
-            <a:r>
-              <a:rPr lang="fr-FR" dirty="0"/>
-              <a:t>Installation au global de </a:t>
-            </a:r>
-            <a:r>
-              <a:rPr lang="fr-FR" dirty="0" err="1"/>
-              <a:t>ffmepg</a:t>
-            </a:r>
-            <a:endParaRPr lang="fr-FR" dirty="0"/>
-          </a:p>
-          <a:p>
-            <a:endParaRPr lang="en-US" dirty="0"/>
+          <p:cNvPr id="7" name="Subtitle 6">
+            <a:extLst>
+              <a:ext uri="{FF2B5EF4-FFF2-40B4-BE49-F238E27FC236}">
+                <a16:creationId xmlns:a16="http://schemas.microsoft.com/office/drawing/2014/main" id="{D65B0B3B-907A-35B1-9D8B-2AA43815A223}"/>
+              </a:ext>
+            </a:extLst>
+          </p:cNvPr>
+          <p:cNvSpPr>
+            <a:spLocks noGrp="1"/>
+          </p:cNvSpPr>
+          <p:nvPr>
+            <p:ph type="subTitle" idx="1"/>
+          </p:nvPr>
+        </p:nvSpPr>
+        <p:spPr/>
+        <p:txBody>
+          <a:bodyPr/>
+          <a:lstStyle/>
+          <a:p>
+            <a:endParaRPr lang="en-US"/>
           </a:p>
         </p:txBody>
       </p:sp>
     </p:spTree>
     <p:extLst>
       <p:ext uri="{BB962C8B-B14F-4D97-AF65-F5344CB8AC3E}">
-        <p14:creationId xmlns:p14="http://schemas.microsoft.com/office/powerpoint/2010/main" val="1091545042"/>
+        <p14:creationId xmlns:p14="http://schemas.microsoft.com/office/powerpoint/2010/main" val="3903012350"/>
       </p:ext>
     </p:extLst>
   </p:cSld>
@@ -3537,7 +3534,7 @@
           <p:cNvPr id="2" name="Title 1">
             <a:extLst>
               <a:ext uri="{FF2B5EF4-FFF2-40B4-BE49-F238E27FC236}">
-                <a16:creationId xmlns:a16="http://schemas.microsoft.com/office/drawing/2014/main" id="{F8CAC750-9DA3-492B-AB12-D91F6C4AD4B5}"/>
+                <a16:creationId xmlns:a16="http://schemas.microsoft.com/office/drawing/2014/main" id="{B014502D-4CE7-3FB7-94A0-1DA20ED74A39}"/>
               </a:ext>
             </a:extLst>
           </p:cNvPr>
@@ -3548,82 +3545,138 @@
             <p:ph type="title"/>
           </p:nvPr>
         </p:nvSpPr>
-        <p:spPr/>
+        <p:spPr>
+          <a:xfrm>
+            <a:off x="838200" y="396695"/>
+            <a:ext cx="10515600" cy="1325563"/>
+          </a:xfrm>
+        </p:spPr>
         <p:txBody>
           <a:bodyPr/>
           <a:lstStyle/>
           <a:p>
             <a:r>
               <a:rPr lang="fr-FR" dirty="0"/>
-              <a:t>FONCTIONS</a:t>
+              <a:t>Outils UTILISES IMG</a:t>
             </a:r>
             <a:endParaRPr lang="en-US" dirty="0"/>
           </a:p>
         </p:txBody>
       </p:sp>
-      <p:sp>
-        <p:nvSpPr>
-          <p:cNvPr id="3" name="Content Placeholder 2">
-            <a:extLst>
-              <a:ext uri="{FF2B5EF4-FFF2-40B4-BE49-F238E27FC236}">
-                <a16:creationId xmlns:a16="http://schemas.microsoft.com/office/drawing/2014/main" id="{4C0CBD9E-7DFB-F396-CED3-975819CFD23C}"/>
-              </a:ext>
-            </a:extLst>
-          </p:cNvPr>
-          <p:cNvSpPr>
-            <a:spLocks noGrp="1"/>
-          </p:cNvSpPr>
+      <p:pic>
+        <p:nvPicPr>
+          <p:cNvPr id="4" name="Content Placeholder 3" descr="A picture containing text, clipart, businesscard&#10;&#10;Description automatically generated">
+            <a:extLst>
+              <a:ext uri="{FF2B5EF4-FFF2-40B4-BE49-F238E27FC236}">
+                <a16:creationId xmlns:a16="http://schemas.microsoft.com/office/drawing/2014/main" id="{67ECA73C-5B32-49AB-812B-02EA25DC830F}"/>
+              </a:ext>
+            </a:extLst>
+          </p:cNvPr>
+          <p:cNvPicPr>
+            <a:picLocks noGrp="1" noChangeAspect="1"/>
+          </p:cNvPicPr>
           <p:nvPr>
             <p:ph idx="1"/>
           </p:nvPr>
-        </p:nvSpPr>
-        <p:spPr/>
-        <p:txBody>
-          <a:bodyPr/>
-          <a:lstStyle/>
-          <a:p>
-            <a:r>
-              <a:rPr lang="fr-FR" dirty="0"/>
-              <a:t>Mapping</a:t>
-            </a:r>
-          </a:p>
-          <a:p>
-            <a:r>
-              <a:rPr lang="fr-FR" dirty="0"/>
-              <a:t>MP4 to AUDIO</a:t>
-            </a:r>
-          </a:p>
-          <a:p>
-            <a:r>
-              <a:rPr lang="fr-FR" dirty="0"/>
-              <a:t>AUDIO to TXT</a:t>
-            </a:r>
-          </a:p>
-          <a:p>
-            <a:r>
-              <a:rPr lang="fr-FR" dirty="0" err="1"/>
-              <a:t>Synthese</a:t>
-            </a:r>
-            <a:r>
-              <a:rPr lang="fr-FR" dirty="0"/>
-              <a:t> CHATGPT</a:t>
-            </a:r>
-          </a:p>
-          <a:p>
-            <a:endParaRPr lang="fr-FR" dirty="0"/>
-          </a:p>
-          <a:p>
-            <a:pPr marL="0" indent="0">
-              <a:buNone/>
-            </a:pPr>
-            <a:endParaRPr lang="en-US" dirty="0"/>
-          </a:p>
-        </p:txBody>
-      </p:sp>
+        </p:nvPicPr>
+        <p:blipFill>
+          <a:blip r:embed="rId2">
+            <a:extLst>
+              <a:ext uri="{28A0092B-C50C-407E-A947-70E740481C1C}">
+                <a14:useLocalDpi xmlns:a14="http://schemas.microsoft.com/office/drawing/2010/main" val="0"/>
+              </a:ext>
+            </a:extLst>
+          </a:blip>
+          <a:stretch>
+            <a:fillRect/>
+          </a:stretch>
+        </p:blipFill>
+        <p:spPr>
+          <a:xfrm>
+            <a:off x="647602" y="1690688"/>
+            <a:ext cx="1771650" cy="1771650"/>
+          </a:xfrm>
+          <a:prstGeom prst="rect">
+            <a:avLst/>
+          </a:prstGeom>
+        </p:spPr>
+      </p:pic>
+      <p:pic>
+        <p:nvPicPr>
+          <p:cNvPr id="5" name="Picture 4" descr="Icon&#10;&#10;Description automatically generated">
+            <a:extLst>
+              <a:ext uri="{FF2B5EF4-FFF2-40B4-BE49-F238E27FC236}">
+                <a16:creationId xmlns:a16="http://schemas.microsoft.com/office/drawing/2014/main" id="{6A3F1E79-364F-9BA5-5847-7BEAD9DE8E9C}"/>
+              </a:ext>
+            </a:extLst>
+          </p:cNvPr>
+          <p:cNvPicPr>
+            <a:picLocks noChangeAspect="1"/>
+          </p:cNvPicPr>
+          <p:nvPr/>
+        </p:nvPicPr>
+        <p:blipFill>
+          <a:blip r:embed="rId3">
+            <a:extLst>
+              <a:ext uri="{28A0092B-C50C-407E-A947-70E740481C1C}">
+                <a14:useLocalDpi xmlns:a14="http://schemas.microsoft.com/office/drawing/2010/main" val="0"/>
+              </a:ext>
+            </a:extLst>
+          </a:blip>
+          <a:stretch>
+            <a:fillRect/>
+          </a:stretch>
+        </p:blipFill>
+        <p:spPr>
+          <a:xfrm>
+            <a:off x="3712171" y="1858882"/>
+            <a:ext cx="1435261" cy="1435261"/>
+          </a:xfrm>
+          <a:prstGeom prst="rect">
+            <a:avLst/>
+          </a:prstGeom>
+        </p:spPr>
+      </p:pic>
+      <p:pic>
+        <p:nvPicPr>
+          <p:cNvPr id="7" name="Picture 6" descr="Icon&#10;&#10;Description automatically generated">
+            <a:extLst>
+              <a:ext uri="{FF2B5EF4-FFF2-40B4-BE49-F238E27FC236}">
+                <a16:creationId xmlns:a16="http://schemas.microsoft.com/office/drawing/2014/main" id="{AEA41775-975C-607E-DB31-E7D56C94396B}"/>
+              </a:ext>
+            </a:extLst>
+          </p:cNvPr>
+          <p:cNvPicPr>
+            <a:picLocks noChangeAspect="1"/>
+          </p:cNvPicPr>
+          <p:nvPr/>
+        </p:nvPicPr>
+        <p:blipFill>
+          <a:blip r:embed="rId4">
+            <a:extLst>
+              <a:ext uri="{28A0092B-C50C-407E-A947-70E740481C1C}">
+                <a14:useLocalDpi xmlns:a14="http://schemas.microsoft.com/office/drawing/2010/main" val="0"/>
+              </a:ext>
+            </a:extLst>
+          </a:blip>
+          <a:stretch>
+            <a:fillRect/>
+          </a:stretch>
+        </p:blipFill>
+        <p:spPr>
+          <a:xfrm>
+            <a:off x="6853287" y="1794858"/>
+            <a:ext cx="1539759" cy="1539759"/>
+          </a:xfrm>
+          <a:prstGeom prst="rect">
+            <a:avLst/>
+          </a:prstGeom>
+        </p:spPr>
+      </p:pic>
     </p:spTree>
     <p:extLst>
       <p:ext uri="{BB962C8B-B14F-4D97-AF65-F5344CB8AC3E}">
-        <p14:creationId xmlns:p14="http://schemas.microsoft.com/office/powerpoint/2010/main" val="1452297715"/>
+        <p14:creationId xmlns:p14="http://schemas.microsoft.com/office/powerpoint/2010/main" val="2940446371"/>
       </p:ext>
     </p:extLst>
   </p:cSld>
@@ -3655,7 +3708,7 @@
           <p:cNvPr id="2" name="Title 1">
             <a:extLst>
               <a:ext uri="{FF2B5EF4-FFF2-40B4-BE49-F238E27FC236}">
-                <a16:creationId xmlns:a16="http://schemas.microsoft.com/office/drawing/2014/main" id="{CB97EE38-FF31-3CD0-3C9C-833E71899143}"/>
+                <a16:creationId xmlns:a16="http://schemas.microsoft.com/office/drawing/2014/main" id="{43D0627B-CC72-4DC4-8C61-D75AF389D7A2}"/>
               </a:ext>
             </a:extLst>
           </p:cNvPr>
@@ -3673,7 +3726,7 @@
           <a:p>
             <a:r>
               <a:rPr lang="fr-FR" dirty="0"/>
-              <a:t>Mapping</a:t>
+              <a:t>Outils Utilises DETAILS</a:t>
             </a:r>
             <a:endParaRPr lang="en-US" dirty="0"/>
           </a:p>
@@ -3684,7 +3737,7 @@
           <p:cNvPr id="3" name="Content Placeholder 2">
             <a:extLst>
               <a:ext uri="{FF2B5EF4-FFF2-40B4-BE49-F238E27FC236}">
-                <a16:creationId xmlns:a16="http://schemas.microsoft.com/office/drawing/2014/main" id="{B9B5BA65-D2C8-3F42-7808-65EA905D88C7}"/>
+                <a16:creationId xmlns:a16="http://schemas.microsoft.com/office/drawing/2014/main" id="{E74E50DA-5D71-0F40-2607-9F0F56C2BC1A}"/>
               </a:ext>
             </a:extLst>
           </p:cNvPr>
@@ -3701,63 +3754,41 @@
           <a:lstStyle/>
           <a:p>
             <a:r>
+              <a:rPr lang="fr-FR" dirty="0" err="1"/>
+              <a:t>Pycharm</a:t>
+            </a:r>
+            <a:r>
               <a:rPr lang="fr-FR" dirty="0"/>
-              <a:t>Mettre une formation dans un dossier</a:t>
+              <a:t> -&gt; IDE Python pour écrire le projet</a:t>
             </a:r>
           </a:p>
           <a:p>
             <a:r>
               <a:rPr lang="fr-FR" dirty="0"/>
-              <a:t>La rendre </a:t>
+              <a:t>GIT -&gt; gérer le </a:t>
             </a:r>
             <a:r>
               <a:rPr lang="fr-FR" dirty="0" err="1"/>
-              <a:t>readable</a:t>
+              <a:t>versionning</a:t>
             </a:r>
             <a:r>
               <a:rPr lang="fr-FR" dirty="0"/>
-              <a:t> par</a:t>
-            </a:r>
-            <a:r>
-              <a:rPr lang="en-US" dirty="0"/>
-              <a:t> </a:t>
-            </a:r>
-            <a:r>
-              <a:rPr lang="en-US" dirty="0" err="1"/>
-              <a:t>notre</a:t>
-            </a:r>
-            <a:r>
-              <a:rPr lang="en-US" dirty="0"/>
-              <a:t> interface python qui </a:t>
-            </a:r>
-            <a:r>
-              <a:rPr lang="en-US" dirty="0" err="1"/>
-              <a:t>saura</a:t>
-            </a:r>
-            <a:r>
-              <a:rPr lang="en-US" dirty="0"/>
-              <a:t> </a:t>
-            </a:r>
-            <a:r>
-              <a:rPr lang="en-US" dirty="0" err="1"/>
-              <a:t>egalement</a:t>
-            </a:r>
-            <a:r>
-              <a:rPr lang="en-US" dirty="0"/>
-              <a:t> comparer </a:t>
-            </a:r>
-            <a:r>
-              <a:rPr lang="en-US"/>
-              <a:t>l’output</a:t>
-            </a:r>
-            <a:endParaRPr lang="fr-FR"/>
+              <a:t> du projet</a:t>
+            </a:r>
+          </a:p>
+          <a:p>
+            <a:r>
+              <a:rPr lang="fr-FR" dirty="0"/>
+              <a:t>CONEMU -&gt; administrer les scripts et afficher interface en CLI</a:t>
+            </a:r>
+            <a:endParaRPr lang="en-US" dirty="0"/>
           </a:p>
         </p:txBody>
       </p:sp>
     </p:spTree>
     <p:extLst>
       <p:ext uri="{BB962C8B-B14F-4D97-AF65-F5344CB8AC3E}">
-        <p14:creationId xmlns:p14="http://schemas.microsoft.com/office/powerpoint/2010/main" val="2645595916"/>
+        <p14:creationId xmlns:p14="http://schemas.microsoft.com/office/powerpoint/2010/main" val="3056270953"/>
       </p:ext>
     </p:extLst>
   </p:cSld>
@@ -3786,18 +3817,18 @@
       </p:grpSpPr>
       <p:sp>
         <p:nvSpPr>
-          <p:cNvPr id="2" name="Title 1">
-            <a:extLst>
-              <a:ext uri="{FF2B5EF4-FFF2-40B4-BE49-F238E27FC236}">
-                <a16:creationId xmlns:a16="http://schemas.microsoft.com/office/drawing/2014/main" id="{FDDA9448-279C-A0F2-1F24-8B246F89702C}"/>
-              </a:ext>
-            </a:extLst>
-          </p:cNvPr>
-          <p:cNvSpPr>
-            <a:spLocks noGrp="1"/>
-          </p:cNvSpPr>
-          <p:nvPr>
-            <p:ph type="title"/>
+          <p:cNvPr id="4" name="Title 3">
+            <a:extLst>
+              <a:ext uri="{FF2B5EF4-FFF2-40B4-BE49-F238E27FC236}">
+                <a16:creationId xmlns:a16="http://schemas.microsoft.com/office/drawing/2014/main" id="{A3DE04FC-149F-B432-0729-7E6C433B1758}"/>
+              </a:ext>
+            </a:extLst>
+          </p:cNvPr>
+          <p:cNvSpPr>
+            <a:spLocks noGrp="1"/>
+          </p:cNvSpPr>
+          <p:nvPr>
+            <p:ph type="ctrTitle"/>
           </p:nvPr>
         </p:nvSpPr>
         <p:spPr/>
@@ -3807,7 +3838,11 @@
           <a:p>
             <a:r>
               <a:rPr lang="fr-FR" dirty="0"/>
-              <a:t>MP4 to AUDIO</a:t>
+              <a:t>Technologie </a:t>
+            </a:r>
+            <a:r>
+              <a:rPr lang="fr-FR" dirty="0" err="1"/>
+              <a:t>Utilisee</a:t>
             </a:r>
             <a:endParaRPr lang="en-US" dirty="0"/>
           </a:p>
@@ -3815,33 +3850,33 @@
       </p:sp>
       <p:sp>
         <p:nvSpPr>
-          <p:cNvPr id="3" name="Content Placeholder 2">
-            <a:extLst>
-              <a:ext uri="{FF2B5EF4-FFF2-40B4-BE49-F238E27FC236}">
-                <a16:creationId xmlns:a16="http://schemas.microsoft.com/office/drawing/2014/main" id="{553AB134-142A-5C5E-AD76-16713750EA4A}"/>
-              </a:ext>
-            </a:extLst>
-          </p:cNvPr>
-          <p:cNvSpPr>
-            <a:spLocks noGrp="1"/>
-          </p:cNvSpPr>
-          <p:nvPr>
-            <p:ph idx="1"/>
-          </p:nvPr>
-        </p:nvSpPr>
-        <p:spPr/>
-        <p:txBody>
-          <a:bodyPr/>
-          <a:lstStyle/>
-          <a:p>
-            <a:endParaRPr lang="en-US" dirty="0"/>
+          <p:cNvPr id="5" name="Subtitle 4">
+            <a:extLst>
+              <a:ext uri="{FF2B5EF4-FFF2-40B4-BE49-F238E27FC236}">
+                <a16:creationId xmlns:a16="http://schemas.microsoft.com/office/drawing/2014/main" id="{D132D8B5-1ACB-6D10-005D-1206FC81C496}"/>
+              </a:ext>
+            </a:extLst>
+          </p:cNvPr>
+          <p:cNvSpPr>
+            <a:spLocks noGrp="1"/>
+          </p:cNvSpPr>
+          <p:nvPr>
+            <p:ph type="subTitle" idx="1"/>
+          </p:nvPr>
+        </p:nvSpPr>
+        <p:spPr/>
+        <p:txBody>
+          <a:bodyPr/>
+          <a:lstStyle/>
+          <a:p>
+            <a:endParaRPr lang="en-US"/>
           </a:p>
         </p:txBody>
       </p:sp>
     </p:spTree>
     <p:extLst>
       <p:ext uri="{BB962C8B-B14F-4D97-AF65-F5344CB8AC3E}">
-        <p14:creationId xmlns:p14="http://schemas.microsoft.com/office/powerpoint/2010/main" val="2407158717"/>
+        <p14:creationId xmlns:p14="http://schemas.microsoft.com/office/powerpoint/2010/main" val="3113363482"/>
       </p:ext>
     </p:extLst>
   </p:cSld>
@@ -3873,7 +3908,7 @@
           <p:cNvPr id="2" name="Title 1">
             <a:extLst>
               <a:ext uri="{FF2B5EF4-FFF2-40B4-BE49-F238E27FC236}">
-                <a16:creationId xmlns:a16="http://schemas.microsoft.com/office/drawing/2014/main" id="{10441A45-753D-8D34-0B7B-974082D09A4A}"/>
+                <a16:creationId xmlns:a16="http://schemas.microsoft.com/office/drawing/2014/main" id="{12779122-208A-3504-837D-32FA172E9938}"/>
               </a:ext>
             </a:extLst>
           </p:cNvPr>
@@ -3890,42 +3925,203 @@
           <a:lstStyle/>
           <a:p>
             <a:r>
+              <a:rPr lang="fr-FR" dirty="0" err="1"/>
+              <a:t>Technlogie</a:t>
+            </a:r>
+            <a:r>
               <a:rPr lang="fr-FR" dirty="0"/>
-              <a:t>Audio to TXT</a:t>
+              <a:t> IMG</a:t>
             </a:r>
             <a:endParaRPr lang="en-US" dirty="0"/>
           </a:p>
         </p:txBody>
       </p:sp>
-      <p:sp>
-        <p:nvSpPr>
-          <p:cNvPr id="3" name="Content Placeholder 2">
-            <a:extLst>
-              <a:ext uri="{FF2B5EF4-FFF2-40B4-BE49-F238E27FC236}">
-                <a16:creationId xmlns:a16="http://schemas.microsoft.com/office/drawing/2014/main" id="{F76946E6-AC67-10D6-77EB-BAD0C0FC4CF3}"/>
-              </a:ext>
-            </a:extLst>
-          </p:cNvPr>
-          <p:cNvSpPr>
-            <a:spLocks noGrp="1"/>
-          </p:cNvSpPr>
+      <p:pic>
+        <p:nvPicPr>
+          <p:cNvPr id="4" name="Content Placeholder 3" descr="A picture containing text, tableware, dishware, vector graphics&#10;&#10;Description automatically generated">
+            <a:extLst>
+              <a:ext uri="{FF2B5EF4-FFF2-40B4-BE49-F238E27FC236}">
+                <a16:creationId xmlns:a16="http://schemas.microsoft.com/office/drawing/2014/main" id="{07571046-A0E9-7521-7DD5-2EE6385E5AF0}"/>
+              </a:ext>
+            </a:extLst>
+          </p:cNvPr>
+          <p:cNvPicPr>
+            <a:picLocks noGrp="1" noChangeAspect="1"/>
+          </p:cNvPicPr>
           <p:nvPr>
             <p:ph idx="1"/>
           </p:nvPr>
-        </p:nvSpPr>
-        <p:spPr/>
-        <p:txBody>
-          <a:bodyPr/>
-          <a:lstStyle/>
-          <a:p>
-            <a:endParaRPr lang="en-US"/>
-          </a:p>
-        </p:txBody>
-      </p:sp>
+        </p:nvPicPr>
+        <p:blipFill>
+          <a:blip r:embed="rId2">
+            <a:extLst>
+              <a:ext uri="{28A0092B-C50C-407E-A947-70E740481C1C}">
+                <a14:useLocalDpi xmlns:a14="http://schemas.microsoft.com/office/drawing/2010/main" val="0"/>
+              </a:ext>
+            </a:extLst>
+          </a:blip>
+          <a:stretch>
+            <a:fillRect/>
+          </a:stretch>
+        </p:blipFill>
+        <p:spPr>
+          <a:xfrm>
+            <a:off x="7598287" y="1488181"/>
+            <a:ext cx="2115312" cy="2115312"/>
+          </a:xfrm>
+          <a:prstGeom prst="rect">
+            <a:avLst/>
+          </a:prstGeom>
+        </p:spPr>
+      </p:pic>
+      <p:pic>
+        <p:nvPicPr>
+          <p:cNvPr id="5" name="Picture 4" descr="Logo, company name&#10;&#10;Description automatically generated">
+            <a:extLst>
+              <a:ext uri="{FF2B5EF4-FFF2-40B4-BE49-F238E27FC236}">
+                <a16:creationId xmlns:a16="http://schemas.microsoft.com/office/drawing/2014/main" id="{BB1A1B73-6517-7129-BE8C-FB1E0CF4AFAD}"/>
+              </a:ext>
+            </a:extLst>
+          </p:cNvPr>
+          <p:cNvPicPr>
+            <a:picLocks noChangeAspect="1"/>
+          </p:cNvPicPr>
+          <p:nvPr/>
+        </p:nvPicPr>
+        <p:blipFill>
+          <a:blip r:embed="rId3">
+            <a:extLst>
+              <a:ext uri="{28A0092B-C50C-407E-A947-70E740481C1C}">
+                <a14:useLocalDpi xmlns:a14="http://schemas.microsoft.com/office/drawing/2010/main" val="0"/>
+              </a:ext>
+            </a:extLst>
+          </a:blip>
+          <a:stretch>
+            <a:fillRect/>
+          </a:stretch>
+        </p:blipFill>
+        <p:spPr>
+          <a:xfrm>
+            <a:off x="838200" y="2012818"/>
+            <a:ext cx="4524375" cy="1590675"/>
+          </a:xfrm>
+          <a:prstGeom prst="rect">
+            <a:avLst/>
+          </a:prstGeom>
+        </p:spPr>
+      </p:pic>
+      <p:pic>
+        <p:nvPicPr>
+          <p:cNvPr id="6" name="Picture 5" descr="Icon&#10;&#10;Description automatically generated">
+            <a:extLst>
+              <a:ext uri="{FF2B5EF4-FFF2-40B4-BE49-F238E27FC236}">
+                <a16:creationId xmlns:a16="http://schemas.microsoft.com/office/drawing/2014/main" id="{DF4B8901-14B6-AD01-7040-954865D8F8F9}"/>
+              </a:ext>
+            </a:extLst>
+          </p:cNvPr>
+          <p:cNvPicPr>
+            <a:picLocks noChangeAspect="1"/>
+          </p:cNvPicPr>
+          <p:nvPr/>
+        </p:nvPicPr>
+        <p:blipFill>
+          <a:blip r:embed="rId4">
+            <a:extLst>
+              <a:ext uri="{28A0092B-C50C-407E-A947-70E740481C1C}">
+                <a14:useLocalDpi xmlns:a14="http://schemas.microsoft.com/office/drawing/2010/main" val="0"/>
+              </a:ext>
+            </a:extLst>
+          </a:blip>
+          <a:stretch>
+            <a:fillRect/>
+          </a:stretch>
+        </p:blipFill>
+        <p:spPr>
+          <a:xfrm>
+            <a:off x="838200" y="4455190"/>
+            <a:ext cx="2077244" cy="1442531"/>
+          </a:xfrm>
+          <a:prstGeom prst="rect">
+            <a:avLst/>
+          </a:prstGeom>
+        </p:spPr>
+      </p:pic>
+      <p:pic>
+        <p:nvPicPr>
+          <p:cNvPr id="8" name="Picture 7" descr="A picture containing text, sign&#10;&#10;Description automatically generated">
+            <a:extLst>
+              <a:ext uri="{FF2B5EF4-FFF2-40B4-BE49-F238E27FC236}">
+                <a16:creationId xmlns:a16="http://schemas.microsoft.com/office/drawing/2014/main" id="{E726F809-0B33-40D4-36EB-96780BCA4AFA}"/>
+              </a:ext>
+            </a:extLst>
+          </p:cNvPr>
+          <p:cNvPicPr>
+            <a:picLocks noChangeAspect="1"/>
+          </p:cNvPicPr>
+          <p:nvPr/>
+        </p:nvPicPr>
+        <p:blipFill>
+          <a:blip r:embed="rId5">
+            <a:extLst>
+              <a:ext uri="{28A0092B-C50C-407E-A947-70E740481C1C}">
+                <a14:useLocalDpi xmlns:a14="http://schemas.microsoft.com/office/drawing/2010/main" val="0"/>
+              </a:ext>
+            </a:extLst>
+          </a:blip>
+          <a:stretch>
+            <a:fillRect/>
+          </a:stretch>
+        </p:blipFill>
+        <p:spPr>
+          <a:xfrm>
+            <a:off x="4014216" y="4023244"/>
+            <a:ext cx="2518215" cy="2167244"/>
+          </a:xfrm>
+          <a:prstGeom prst="rect">
+            <a:avLst/>
+          </a:prstGeom>
+        </p:spPr>
+      </p:pic>
+      <p:pic>
+        <p:nvPicPr>
+          <p:cNvPr id="10" name="Picture 9" descr="A picture containing text, sign, tableware, plate&#10;&#10;Description automatically generated">
+            <a:extLst>
+              <a:ext uri="{FF2B5EF4-FFF2-40B4-BE49-F238E27FC236}">
+                <a16:creationId xmlns:a16="http://schemas.microsoft.com/office/drawing/2014/main" id="{201FAF06-5C53-F1B7-AB77-234CB95DA1B9}"/>
+              </a:ext>
+            </a:extLst>
+          </p:cNvPr>
+          <p:cNvPicPr>
+            <a:picLocks noChangeAspect="1"/>
+          </p:cNvPicPr>
+          <p:nvPr/>
+        </p:nvPicPr>
+        <p:blipFill>
+          <a:blip r:embed="rId6">
+            <a:extLst>
+              <a:ext uri="{28A0092B-C50C-407E-A947-70E740481C1C}">
+                <a14:useLocalDpi xmlns:a14="http://schemas.microsoft.com/office/drawing/2010/main" val="0"/>
+              </a:ext>
+            </a:extLst>
+          </a:blip>
+          <a:stretch>
+            <a:fillRect/>
+          </a:stretch>
+        </p:blipFill>
+        <p:spPr>
+          <a:xfrm>
+            <a:off x="7716020" y="4023244"/>
+            <a:ext cx="2269990" cy="2269990"/>
+          </a:xfrm>
+          <a:prstGeom prst="rect">
+            <a:avLst/>
+          </a:prstGeom>
+        </p:spPr>
+      </p:pic>
     </p:spTree>
     <p:extLst>
       <p:ext uri="{BB962C8B-B14F-4D97-AF65-F5344CB8AC3E}">
-        <p14:creationId xmlns:p14="http://schemas.microsoft.com/office/powerpoint/2010/main" val="1915005893"/>
+        <p14:creationId xmlns:p14="http://schemas.microsoft.com/office/powerpoint/2010/main" val="227885107"/>
       </p:ext>
     </p:extLst>
   </p:cSld>
@@ -3957,7 +4153,7 @@
           <p:cNvPr id="2" name="Title 1">
             <a:extLst>
               <a:ext uri="{FF2B5EF4-FFF2-40B4-BE49-F238E27FC236}">
-                <a16:creationId xmlns:a16="http://schemas.microsoft.com/office/drawing/2014/main" id="{341D0A32-A813-6E6B-F9EC-D896D4DAB0A4}"/>
+                <a16:creationId xmlns:a16="http://schemas.microsoft.com/office/drawing/2014/main" id="{27868BB3-580F-C9E3-F708-489D6AC304DD}"/>
               </a:ext>
             </a:extLst>
           </p:cNvPr>
@@ -3975,7 +4171,7 @@
           <a:p>
             <a:r>
               <a:rPr lang="fr-FR" dirty="0"/>
-              <a:t>SYNTHESE TXT</a:t>
+              <a:t>Technologie DETAIL</a:t>
             </a:r>
             <a:endParaRPr lang="en-US" dirty="0"/>
           </a:p>
@@ -3986,7 +4182,7 @@
           <p:cNvPr id="3" name="Content Placeholder 2">
             <a:extLst>
               <a:ext uri="{FF2B5EF4-FFF2-40B4-BE49-F238E27FC236}">
-                <a16:creationId xmlns:a16="http://schemas.microsoft.com/office/drawing/2014/main" id="{1AFE738D-8429-4927-5348-7DE9F6E6236F}"/>
+                <a16:creationId xmlns:a16="http://schemas.microsoft.com/office/drawing/2014/main" id="{A2B9A591-C561-54FE-EDEC-EEA1D6578CFA}"/>
               </a:ext>
             </a:extLst>
           </p:cNvPr>
@@ -4002,14 +4198,71 @@
           <a:bodyPr/>
           <a:lstStyle/>
           <a:p>
-            <a:endParaRPr lang="en-US"/>
+            <a:r>
+              <a:rPr lang="fr-FR" dirty="0"/>
+              <a:t>PYTHON -&gt; l’ensemble de l’application utilise python comme langage</a:t>
+            </a:r>
+          </a:p>
+          <a:p>
+            <a:r>
+              <a:rPr lang="fr-FR" dirty="0"/>
+              <a:t>VENV -&gt; </a:t>
+            </a:r>
+            <a:r>
+              <a:rPr lang="fr-FR" dirty="0" err="1"/>
+              <a:t>creation</a:t>
+            </a:r>
+            <a:r>
+              <a:rPr lang="fr-FR" dirty="0"/>
+              <a:t> d’un </a:t>
+            </a:r>
+            <a:r>
+              <a:rPr lang="fr-FR" dirty="0" err="1"/>
+              <a:t>env</a:t>
+            </a:r>
+            <a:r>
+              <a:rPr lang="fr-FR" dirty="0"/>
+              <a:t> python propre à l’application</a:t>
+            </a:r>
+          </a:p>
+          <a:p>
+            <a:r>
+              <a:rPr lang="fr-FR" dirty="0"/>
+              <a:t>PIP -&gt; bibliothèque python pour installer les paquets dans </a:t>
+            </a:r>
+            <a:r>
+              <a:rPr lang="fr-FR" dirty="0" err="1"/>
+              <a:t>venv</a:t>
+            </a:r>
+            <a:endParaRPr lang="fr-FR" dirty="0"/>
+          </a:p>
+          <a:p>
+            <a:r>
+              <a:rPr lang="fr-FR" dirty="0"/>
+              <a:t>BASH -&gt; scripts pour configurer VENV et gérer PIP</a:t>
+            </a:r>
+          </a:p>
+          <a:p>
+            <a:r>
+              <a:rPr lang="fr-FR" dirty="0"/>
+              <a:t>OPENAI -&gt; WHISPER et GPT pour utiliser AI</a:t>
+            </a:r>
+          </a:p>
+          <a:p>
+            <a:r>
+              <a:rPr lang="fr-FR" dirty="0"/>
+              <a:t>FFMPEG -&gt; faire des conversions de fichier a fichier</a:t>
+            </a:r>
+          </a:p>
+          <a:p>
+            <a:endParaRPr lang="fr-FR" dirty="0"/>
           </a:p>
         </p:txBody>
       </p:sp>
     </p:spTree>
     <p:extLst>
       <p:ext uri="{BB962C8B-B14F-4D97-AF65-F5344CB8AC3E}">
-        <p14:creationId xmlns:p14="http://schemas.microsoft.com/office/powerpoint/2010/main" val="3396125574"/>
+        <p14:creationId xmlns:p14="http://schemas.microsoft.com/office/powerpoint/2010/main" val="1394067042"/>
       </p:ext>
     </p:extLst>
   </p:cSld>
